--- a/exampleSlides/planned-setup.pptx
+++ b/exampleSlides/planned-setup.pptx
@@ -192,7 +192,7 @@
           <a:p>
             <a:fld id="{7E186350-4ECA-48F9-80B5-DE3AEA2C1A5C}" type="datetimeFigureOut">
               <a:rPr lang="en-US" smtClean="0"/>
-              <a:t>9/11/2017</a:t>
+              <a:t>9/12/2017</a:t>
             </a:fld>
             <a:endParaRPr lang="en-US"/>
           </a:p>
@@ -653,7 +653,7 @@
           <a:p>
             <a:fld id="{1CA05618-4C61-4173-999D-93674476C45A}" type="datetimeFigureOut">
               <a:rPr lang="da-DK" smtClean="0"/>
-              <a:t>11-09-2017</a:t>
+              <a:t>12-09-2017</a:t>
             </a:fld>
             <a:endParaRPr lang="da-DK" dirty="0"/>
           </a:p>
@@ -866,7 +866,7 @@
           <a:p>
             <a:fld id="{1CA05618-4C61-4173-999D-93674476C45A}" type="datetimeFigureOut">
               <a:rPr lang="da-DK" smtClean="0"/>
-              <a:t>11-09-2017</a:t>
+              <a:t>12-09-2017</a:t>
             </a:fld>
             <a:endParaRPr lang="da-DK" dirty="0"/>
           </a:p>
@@ -3097,15 +3097,23 @@
           <a:lstStyle/>
           <a:p>
             <a:r>
+              <a:rPr lang="da-DK" sz="4000" b="1" dirty="0" err="1" smtClean="0"/>
+              <a:t>Planned</a:t>
+            </a:r>
+            <a:r>
+              <a:rPr lang="da-DK" sz="4000" b="1" dirty="0" smtClean="0"/>
+              <a:t> QKD </a:t>
+            </a:r>
+            <a:br>
+              <a:rPr lang="da-DK" sz="4000" b="1" dirty="0" smtClean="0"/>
+            </a:br>
+            <a:r>
+              <a:rPr lang="da-DK" sz="4000" b="1" dirty="0" err="1" smtClean="0"/>
+              <a:t>scheme</a:t>
+            </a:r>
+            <a:r>
               <a:rPr lang="da-DK" sz="4000" b="1" smtClean="0"/>
-              <a:t>Planned QKD </a:t>
-            </a:r>
-            <a:br>
-              <a:rPr lang="da-DK" sz="4000" b="1" smtClean="0"/>
-            </a:br>
-            <a:r>
-              <a:rPr lang="da-DK" sz="4000" b="1" smtClean="0"/>
-              <a:t>scheme</a:t>
+              <a:t> _</a:t>
             </a:r>
             <a:endParaRPr lang="en-US" sz="4000" dirty="0"/>
           </a:p>
